--- a/Graph_Construction_and_Bellman_Ford_Visualization-spg.pptx
+++ b/Graph_Construction_and_Bellman_Ford_Visualization-spg.pptx
@@ -24,25 +24,25 @@
     <p:sldId id="272" r:id="rId18"/>
     <p:sldId id="273" r:id="rId19"/>
     <p:sldId id="274" r:id="rId20"/>
-    <p:sldId id="275" r:id="rId21"/>
-    <p:sldId id="276" r:id="rId22"/>
-    <p:sldId id="277" r:id="rId23"/>
-    <p:sldId id="278" r:id="rId24"/>
-    <p:sldId id="279" r:id="rId25"/>
-    <p:sldId id="286" r:id="rId26"/>
-    <p:sldId id="287" r:id="rId27"/>
-    <p:sldId id="288" r:id="rId28"/>
-    <p:sldId id="289" r:id="rId29"/>
-    <p:sldId id="290" r:id="rId30"/>
-    <p:sldId id="291" r:id="rId31"/>
-    <p:sldId id="292" r:id="rId32"/>
-    <p:sldId id="293" r:id="rId33"/>
-    <p:sldId id="280" r:id="rId34"/>
-    <p:sldId id="281" r:id="rId35"/>
-    <p:sldId id="282" r:id="rId36"/>
-    <p:sldId id="283" r:id="rId37"/>
-    <p:sldId id="284" r:id="rId38"/>
-    <p:sldId id="285" r:id="rId39"/>
+    <p:sldId id="279" r:id="rId21"/>
+    <p:sldId id="286" r:id="rId22"/>
+    <p:sldId id="287" r:id="rId23"/>
+    <p:sldId id="288" r:id="rId24"/>
+    <p:sldId id="289" r:id="rId25"/>
+    <p:sldId id="290" r:id="rId26"/>
+    <p:sldId id="291" r:id="rId27"/>
+    <p:sldId id="292" r:id="rId28"/>
+    <p:sldId id="293" r:id="rId29"/>
+    <p:sldId id="280" r:id="rId30"/>
+    <p:sldId id="281" r:id="rId31"/>
+    <p:sldId id="282" r:id="rId32"/>
+    <p:sldId id="283" r:id="rId33"/>
+    <p:sldId id="284" r:id="rId34"/>
+    <p:sldId id="285" r:id="rId35"/>
+    <p:sldId id="275" r:id="rId36"/>
+    <p:sldId id="276" r:id="rId37"/>
+    <p:sldId id="277" r:id="rId38"/>
+    <p:sldId id="278" r:id="rId39"/>
   </p:sldIdLst>
   <p:sldSz cx="9144000" cy="6858000" type="screen4x3"/>
   <p:notesSz cx="6858000" cy="9144000"/>
@@ -3980,14 +3980,14 @@
           <a:lstStyle/>
           <a:p>
             <a:r>
-              <a:t>relax step 1</a:t>
+              <a:t>graph build step 1</a:t>
             </a:r>
           </a:p>
         </p:txBody>
       </p:sp>
       <p:pic>
         <p:nvPicPr>
-          <p:cNvPr id="3" name="Picture 2" descr="relax_step_1.png"/>
+          <p:cNvPr id="3" name="Picture 2" descr="graph_build_step_1.png"/>
           <p:cNvPicPr>
             <a:picLocks noChangeAspect="1"/>
           </p:cNvPicPr>
@@ -4050,14 +4050,14 @@
           <a:lstStyle/>
           <a:p>
             <a:r>
-              <a:t>relax step 2</a:t>
+              <a:t>graph build step 2</a:t>
             </a:r>
           </a:p>
         </p:txBody>
       </p:sp>
       <p:pic>
         <p:nvPicPr>
-          <p:cNvPr id="3" name="Picture 2" descr="relax_step_2.png"/>
+          <p:cNvPr id="3" name="Picture 2" descr="graph_build_step_2.png"/>
           <p:cNvPicPr>
             <a:picLocks noChangeAspect="1"/>
           </p:cNvPicPr>
@@ -4120,14 +4120,14 @@
           <a:lstStyle/>
           <a:p>
             <a:r>
-              <a:t>relax step 3</a:t>
+              <a:t>graph build step 3</a:t>
             </a:r>
           </a:p>
         </p:txBody>
       </p:sp>
       <p:pic>
         <p:nvPicPr>
-          <p:cNvPr id="3" name="Picture 2" descr="relax_step_3.png"/>
+          <p:cNvPr id="3" name="Picture 2" descr="graph_build_step_3.png"/>
           <p:cNvPicPr>
             <a:picLocks noChangeAspect="1"/>
           </p:cNvPicPr>
@@ -4190,14 +4190,14 @@
           <a:lstStyle/>
           <a:p>
             <a:r>
-              <a:t>relax step 4</a:t>
+              <a:t>graph build step 4</a:t>
             </a:r>
           </a:p>
         </p:txBody>
       </p:sp>
       <p:pic>
         <p:nvPicPr>
-          <p:cNvPr id="3" name="Picture 2" descr="relax_step_4.png"/>
+          <p:cNvPr id="3" name="Picture 2" descr="graph_build_step_4.png"/>
           <p:cNvPicPr>
             <a:picLocks noChangeAspect="1"/>
           </p:cNvPicPr>
@@ -4260,14 +4260,14 @@
           <a:lstStyle/>
           <a:p>
             <a:r>
-              <a:t>graph build step 1</a:t>
+              <a:t>graph build step 5</a:t>
             </a:r>
           </a:p>
         </p:txBody>
       </p:sp>
       <p:pic>
         <p:nvPicPr>
-          <p:cNvPr id="3" name="Picture 2" descr="graph_build_step_1.png"/>
+          <p:cNvPr id="3" name="Picture 2" descr="graph_build_step_5.png"/>
           <p:cNvPicPr>
             <a:picLocks noChangeAspect="1"/>
           </p:cNvPicPr>
@@ -4330,14 +4330,14 @@
           <a:lstStyle/>
           <a:p>
             <a:r>
-              <a:t>graph build step 2</a:t>
+              <a:t>graph build step 6</a:t>
             </a:r>
           </a:p>
         </p:txBody>
       </p:sp>
       <p:pic>
         <p:nvPicPr>
-          <p:cNvPr id="3" name="Picture 2" descr="graph_build_step_2.png"/>
+          <p:cNvPr id="3" name="Picture 2" descr="graph_build_step_6.png"/>
           <p:cNvPicPr>
             <a:picLocks noChangeAspect="1"/>
           </p:cNvPicPr>
@@ -4400,14 +4400,14 @@
           <a:lstStyle/>
           <a:p>
             <a:r>
-              <a:t>graph build step 3</a:t>
+              <a:t>graph build step 7</a:t>
             </a:r>
           </a:p>
         </p:txBody>
       </p:sp>
       <p:pic>
         <p:nvPicPr>
-          <p:cNvPr id="3" name="Picture 2" descr="graph_build_step_3.png"/>
+          <p:cNvPr id="3" name="Picture 2" descr="graph_build_step_7.png"/>
           <p:cNvPicPr>
             <a:picLocks noChangeAspect="1"/>
           </p:cNvPicPr>
@@ -4470,14 +4470,14 @@
           <a:lstStyle/>
           <a:p>
             <a:r>
-              <a:t>graph build step 4</a:t>
+              <a:t>graph build step 8</a:t>
             </a:r>
           </a:p>
         </p:txBody>
       </p:sp>
       <p:pic>
         <p:nvPicPr>
-          <p:cNvPr id="3" name="Picture 2" descr="graph_build_step_4.png"/>
+          <p:cNvPr id="3" name="Picture 2" descr="graph_build_step_8.png"/>
           <p:cNvPicPr>
             <a:picLocks noChangeAspect="1"/>
           </p:cNvPicPr>
@@ -4540,14 +4540,14 @@
           <a:lstStyle/>
           <a:p>
             <a:r>
-              <a:t>graph build step 5</a:t>
+              <a:t>graph build step 9</a:t>
             </a:r>
           </a:p>
         </p:txBody>
       </p:sp>
       <p:pic>
         <p:nvPicPr>
-          <p:cNvPr id="3" name="Picture 2" descr="graph_build_step_5.png"/>
+          <p:cNvPr id="3" name="Picture 2" descr="graph_build_step_9.png"/>
           <p:cNvPicPr>
             <a:picLocks noChangeAspect="1"/>
           </p:cNvPicPr>
@@ -4610,14 +4610,14 @@
           <a:lstStyle/>
           <a:p>
             <a:r>
-              <a:t>graph build step 6</a:t>
+              <a:t>graph build step 10</a:t>
             </a:r>
           </a:p>
         </p:txBody>
       </p:sp>
       <p:pic>
         <p:nvPicPr>
-          <p:cNvPr id="3" name="Picture 2" descr="graph_build_step_6.png"/>
+          <p:cNvPr id="3" name="Picture 2" descr="graph_build_step_10.png"/>
           <p:cNvPicPr>
             <a:picLocks noChangeAspect="1"/>
           </p:cNvPicPr>
@@ -4750,14 +4750,14 @@
           <a:lstStyle/>
           <a:p>
             <a:r>
-              <a:t>graph build step 7</a:t>
+              <a:t>graph build step 11</a:t>
             </a:r>
           </a:p>
         </p:txBody>
       </p:sp>
       <p:pic>
         <p:nvPicPr>
-          <p:cNvPr id="3" name="Picture 2" descr="graph_build_step_7.png"/>
+          <p:cNvPr id="3" name="Picture 2" descr="graph_build_step_11.png"/>
           <p:cNvPicPr>
             <a:picLocks noChangeAspect="1"/>
           </p:cNvPicPr>
@@ -4820,14 +4820,14 @@
           <a:lstStyle/>
           <a:p>
             <a:r>
-              <a:t>graph build step 8</a:t>
+              <a:t>graph build step 12</a:t>
             </a:r>
           </a:p>
         </p:txBody>
       </p:sp>
       <p:pic>
         <p:nvPicPr>
-          <p:cNvPr id="3" name="Picture 2" descr="graph_build_step_8.png"/>
+          <p:cNvPr id="3" name="Picture 2" descr="graph_build_step_12.png"/>
           <p:cNvPicPr>
             <a:picLocks noChangeAspect="1"/>
           </p:cNvPicPr>
@@ -4890,14 +4890,14 @@
           <a:lstStyle/>
           <a:p>
             <a:r>
-              <a:t>graph build step 9</a:t>
+              <a:t>graph build step 13</a:t>
             </a:r>
           </a:p>
         </p:txBody>
       </p:sp>
       <p:pic>
         <p:nvPicPr>
-          <p:cNvPr id="3" name="Picture 2" descr="graph_build_step_9.png"/>
+          <p:cNvPr id="3" name="Picture 2" descr="graph_build_step_13.png"/>
           <p:cNvPicPr>
             <a:picLocks noChangeAspect="1"/>
           </p:cNvPicPr>
@@ -4960,14 +4960,14 @@
           <a:lstStyle/>
           <a:p>
             <a:r>
-              <a:t>graph build step 10</a:t>
+              <a:t>graph build step 14</a:t>
             </a:r>
           </a:p>
         </p:txBody>
       </p:sp>
       <p:pic>
         <p:nvPicPr>
-          <p:cNvPr id="3" name="Picture 2" descr="graph_build_step_10.png"/>
+          <p:cNvPr id="3" name="Picture 2" descr="graph_build_step_14.png"/>
           <p:cNvPicPr>
             <a:picLocks noChangeAspect="1"/>
           </p:cNvPicPr>
@@ -5030,14 +5030,14 @@
           <a:lstStyle/>
           <a:p>
             <a:r>
-              <a:t>graph build step 11</a:t>
+              <a:t>graph build step 15</a:t>
             </a:r>
           </a:p>
         </p:txBody>
       </p:sp>
       <p:pic>
         <p:nvPicPr>
-          <p:cNvPr id="3" name="Picture 2" descr="graph_build_step_11.png"/>
+          <p:cNvPr id="3" name="Picture 2" descr="graph_build_step_15.png"/>
           <p:cNvPicPr>
             <a:picLocks noChangeAspect="1"/>
           </p:cNvPicPr>
@@ -5100,14 +5100,14 @@
           <a:lstStyle/>
           <a:p>
             <a:r>
-              <a:t>graph build step 12</a:t>
+              <a:t>relax step 1</a:t>
             </a:r>
           </a:p>
         </p:txBody>
       </p:sp>
       <p:pic>
         <p:nvPicPr>
-          <p:cNvPr id="3" name="Picture 2" descr="graph_build_step_12.png"/>
+          <p:cNvPr id="3" name="Picture 2" descr="relax_step_1.png"/>
           <p:cNvPicPr>
             <a:picLocks noChangeAspect="1"/>
           </p:cNvPicPr>
@@ -5170,14 +5170,14 @@
           <a:lstStyle/>
           <a:p>
             <a:r>
-              <a:t>graph build step 13</a:t>
+              <a:t>relax step 2</a:t>
             </a:r>
           </a:p>
         </p:txBody>
       </p:sp>
       <p:pic>
         <p:nvPicPr>
-          <p:cNvPr id="3" name="Picture 2" descr="graph_build_step_13.png"/>
+          <p:cNvPr id="3" name="Picture 2" descr="relax_step_2.png"/>
           <p:cNvPicPr>
             <a:picLocks noChangeAspect="1"/>
           </p:cNvPicPr>
@@ -5240,14 +5240,14 @@
           <a:lstStyle/>
           <a:p>
             <a:r>
-              <a:t>graph build step 14</a:t>
+              <a:t>relax step 3</a:t>
             </a:r>
           </a:p>
         </p:txBody>
       </p:sp>
       <p:pic>
         <p:nvPicPr>
-          <p:cNvPr id="3" name="Picture 2" descr="graph_build_step_14.png"/>
+          <p:cNvPr id="3" name="Picture 2" descr="relax_step_3.png"/>
           <p:cNvPicPr>
             <a:picLocks noChangeAspect="1"/>
           </p:cNvPicPr>
@@ -5310,14 +5310,14 @@
           <a:lstStyle/>
           <a:p>
             <a:r>
-              <a:t>graph build step 15</a:t>
+              <a:t>relax step 4</a:t>
             </a:r>
           </a:p>
         </p:txBody>
       </p:sp>
       <p:pic>
         <p:nvPicPr>
-          <p:cNvPr id="3" name="Picture 2" descr="graph_build_step_15.png"/>
+          <p:cNvPr id="3" name="Picture 2" descr="relax_step_4.png"/>
           <p:cNvPicPr>
             <a:picLocks noChangeAspect="1"/>
           </p:cNvPicPr>
